--- a/Document Metarial/Week 3 (Face Algorithm)/HFRAS presentation 2 (algorithm).pptx
+++ b/Document Metarial/Week 3 (Face Algorithm)/HFRAS presentation 2 (algorithm).pptx
@@ -560,7 +560,7 @@
           <a:p>
             <a:fld id="{C484F142-1608-49E7-A375-8454AFC89D99}" type="datetimeFigureOut">
               <a:rPr lang="en-IN" smtClean="0"/>
-              <a:t>03-07-2019</a:t>
+              <a:t>04-07-2019</a:t>
             </a:fld>
             <a:endParaRPr lang="en-IN"/>
           </a:p>
@@ -894,7 +894,7 @@
           <a:p>
             <a:fld id="{C484F142-1608-49E7-A375-8454AFC89D99}" type="datetimeFigureOut">
               <a:rPr lang="en-IN" smtClean="0"/>
-              <a:t>03-07-2019</a:t>
+              <a:t>04-07-2019</a:t>
             </a:fld>
             <a:endParaRPr lang="en-IN"/>
           </a:p>
@@ -1172,7 +1172,7 @@
           <a:p>
             <a:fld id="{C484F142-1608-49E7-A375-8454AFC89D99}" type="datetimeFigureOut">
               <a:rPr lang="en-IN" smtClean="0"/>
-              <a:t>03-07-2019</a:t>
+              <a:t>04-07-2019</a:t>
             </a:fld>
             <a:endParaRPr lang="en-IN"/>
           </a:p>
@@ -1740,7 +1740,7 @@
           <a:p>
             <a:fld id="{C484F142-1608-49E7-A375-8454AFC89D99}" type="datetimeFigureOut">
               <a:rPr lang="en-IN" smtClean="0"/>
-              <a:t>03-07-2019</a:t>
+              <a:t>04-07-2019</a:t>
             </a:fld>
             <a:endParaRPr lang="en-IN"/>
           </a:p>
@@ -2018,7 +2018,7 @@
           <a:p>
             <a:fld id="{C484F142-1608-49E7-A375-8454AFC89D99}" type="datetimeFigureOut">
               <a:rPr lang="en-IN" smtClean="0"/>
-              <a:t>03-07-2019</a:t>
+              <a:t>04-07-2019</a:t>
             </a:fld>
             <a:endParaRPr lang="en-IN"/>
           </a:p>
@@ -2580,7 +2580,7 @@
           <a:p>
             <a:fld id="{C484F142-1608-49E7-A375-8454AFC89D99}" type="datetimeFigureOut">
               <a:rPr lang="en-IN" smtClean="0"/>
-              <a:t>03-07-2019</a:t>
+              <a:t>04-07-2019</a:t>
             </a:fld>
             <a:endParaRPr lang="en-IN"/>
           </a:p>
@@ -2907,7 +2907,7 @@
           <a:p>
             <a:fld id="{C484F142-1608-49E7-A375-8454AFC89D99}" type="datetimeFigureOut">
               <a:rPr lang="en-IN" smtClean="0"/>
-              <a:t>03-07-2019</a:t>
+              <a:t>04-07-2019</a:t>
             </a:fld>
             <a:endParaRPr lang="en-IN"/>
           </a:p>
@@ -3084,7 +3084,7 @@
           <a:p>
             <a:fld id="{C484F142-1608-49E7-A375-8454AFC89D99}" type="datetimeFigureOut">
               <a:rPr lang="en-IN" smtClean="0"/>
-              <a:t>03-07-2019</a:t>
+              <a:t>04-07-2019</a:t>
             </a:fld>
             <a:endParaRPr lang="en-IN"/>
           </a:p>
@@ -3322,7 +3322,7 @@
           <a:p>
             <a:fld id="{C484F142-1608-49E7-A375-8454AFC89D99}" type="datetimeFigureOut">
               <a:rPr lang="en-IN" smtClean="0"/>
-              <a:t>03-07-2019</a:t>
+              <a:t>04-07-2019</a:t>
             </a:fld>
             <a:endParaRPr lang="en-IN"/>
           </a:p>
@@ -3522,7 +3522,7 @@
           <a:p>
             <a:fld id="{C484F142-1608-49E7-A375-8454AFC89D99}" type="datetimeFigureOut">
               <a:rPr lang="en-IN" smtClean="0"/>
-              <a:t>03-07-2019</a:t>
+              <a:t>04-07-2019</a:t>
             </a:fld>
             <a:endParaRPr lang="en-IN"/>
           </a:p>
@@ -3798,7 +3798,7 @@
           <a:p>
             <a:fld id="{C484F142-1608-49E7-A375-8454AFC89D99}" type="datetimeFigureOut">
               <a:rPr lang="en-IN" smtClean="0"/>
-              <a:t>03-07-2019</a:t>
+              <a:t>04-07-2019</a:t>
             </a:fld>
             <a:endParaRPr lang="en-IN"/>
           </a:p>
@@ -4064,7 +4064,7 @@
           <a:p>
             <a:fld id="{C484F142-1608-49E7-A375-8454AFC89D99}" type="datetimeFigureOut">
               <a:rPr lang="en-IN" smtClean="0"/>
-              <a:t>03-07-2019</a:t>
+              <a:t>04-07-2019</a:t>
             </a:fld>
             <a:endParaRPr lang="en-IN"/>
           </a:p>
@@ -4438,7 +4438,7 @@
           <a:p>
             <a:fld id="{C484F142-1608-49E7-A375-8454AFC89D99}" type="datetimeFigureOut">
               <a:rPr lang="en-IN" smtClean="0"/>
-              <a:t>03-07-2019</a:t>
+              <a:t>04-07-2019</a:t>
             </a:fld>
             <a:endParaRPr lang="en-IN"/>
           </a:p>
@@ -4586,7 +4586,7 @@
           <a:p>
             <a:fld id="{C484F142-1608-49E7-A375-8454AFC89D99}" type="datetimeFigureOut">
               <a:rPr lang="en-IN" smtClean="0"/>
-              <a:t>03-07-2019</a:t>
+              <a:t>04-07-2019</a:t>
             </a:fld>
             <a:endParaRPr lang="en-IN"/>
           </a:p>
@@ -4711,7 +4711,7 @@
           <a:p>
             <a:fld id="{C484F142-1608-49E7-A375-8454AFC89D99}" type="datetimeFigureOut">
               <a:rPr lang="en-IN" smtClean="0"/>
-              <a:t>03-07-2019</a:t>
+              <a:t>04-07-2019</a:t>
             </a:fld>
             <a:endParaRPr lang="en-IN"/>
           </a:p>
@@ -4996,7 +4996,7 @@
           <a:p>
             <a:fld id="{C484F142-1608-49E7-A375-8454AFC89D99}" type="datetimeFigureOut">
               <a:rPr lang="en-IN" smtClean="0"/>
-              <a:t>03-07-2019</a:t>
+              <a:t>04-07-2019</a:t>
             </a:fld>
             <a:endParaRPr lang="en-IN"/>
           </a:p>
@@ -5320,7 +5320,7 @@
           <a:p>
             <a:fld id="{C484F142-1608-49E7-A375-8454AFC89D99}" type="datetimeFigureOut">
               <a:rPr lang="en-IN" smtClean="0"/>
-              <a:t>03-07-2019</a:t>
+              <a:t>04-07-2019</a:t>
             </a:fld>
             <a:endParaRPr lang="en-IN"/>
           </a:p>
@@ -5534,7 +5534,7 @@
           <a:p>
             <a:fld id="{C484F142-1608-49E7-A375-8454AFC89D99}" type="datetimeFigureOut">
               <a:rPr lang="en-IN" smtClean="0"/>
-              <a:t>03-07-2019</a:t>
+              <a:t>04-07-2019</a:t>
             </a:fld>
             <a:endParaRPr lang="en-IN"/>
           </a:p>
@@ -6278,15 +6278,7 @@
           <a:p>
             <a:r>
               <a:rPr lang="en-US" dirty="0"/>
-              <a:t>We can use various approaches to compare the histograms (calculate the distance between two histograms), for example: </a:t>
-            </a:r>
-            <a:r>
-              <a:rPr lang="en-US" dirty="0" err="1"/>
-              <a:t>euclidean</a:t>
-            </a:r>
-            <a:r>
-              <a:rPr lang="en-US" dirty="0"/>
-              <a:t> distance, chi-square, absolute value, etc. In this example, we can use the Euclidean distance (which is quite known) based on the following formula:</a:t>
+              <a:t>We can use various approaches to compare the histograms (calculate the distance between two histograms), for example: Euclidean distance, chi-square, absolute value, etc. In this example, we can use the Euclidean distance (which is quite known) based on the following formula:</a:t>
             </a:r>
           </a:p>
           <a:p>
@@ -9634,15 +9626,7 @@
           <a:p>
             <a:r>
               <a:rPr lang="en-US" dirty="0"/>
-              <a:t>The next step is to use algorithm. Algorithm used for finding the location of the human faces in a frame or image. All human faces shares some universal properties of the human face like the eyes region is darker than its </a:t>
-            </a:r>
-            <a:r>
-              <a:rPr lang="en-US" dirty="0" err="1"/>
-              <a:t>neighbour</a:t>
-            </a:r>
-            <a:r>
-              <a:rPr lang="en-US" dirty="0"/>
-              <a:t> pixels and nose region is brighter than eye region.</a:t>
+              <a:t>The next step is to use algorithm. Algorithm used for finding the location of the human faces in a frame or image. All human faces shares some universal properties of the human face like the eyes region is darker than its neighbor pixels and nose region is brighter than eye region.</a:t>
             </a:r>
           </a:p>
         </p:txBody>
@@ -9771,15 +9755,7 @@
             </a:r>
             <a:r>
               <a:rPr lang="en-US" dirty="0"/>
-              <a:t>-like algorithm is also used for feature selection or feature extraction for an object in an image, with the help of edge detection, line detection, </a:t>
-            </a:r>
-            <a:r>
-              <a:rPr lang="en-US" dirty="0" err="1"/>
-              <a:t>centre</a:t>
-            </a:r>
-            <a:r>
-              <a:rPr lang="en-US" dirty="0"/>
-              <a:t> detection for detecting eyes, nose, mouth, etc. in the picture. It is used to select the essential features in an image and extract these features for face detection.</a:t>
+              <a:t>-like algorithm is also used for feature selection or feature extraction for an object in an image, with the help of edge detection, line detection, center detection for detecting eyes, nose, mouth, etc. in the picture. It is used to select the essential features in an image and extract these features for face detection.</a:t>
             </a:r>
           </a:p>
           <a:p>
